--- a/course_docs/20130423/MLclassification.pptx
+++ b/course_docs/20130423/MLclassification.pptx
@@ -822,7 +822,7 @@
         <p:nvSpPr>
           <p:cNvPr id="279554" name="Rectangle 2"/>
           <p:cNvSpPr>
-            <a:spLocks noChangeArrowheads="1" noTextEdit="1"/>
+            <a:spLocks noGrp="1" noRot="1" noChangeAspect="1" noChangeArrowheads="1" noTextEdit="1"/>
           </p:cNvSpPr>
           <p:nvPr>
             <p:ph type="sldImg"/>
@@ -1205,7 +1205,7 @@
         <p:nvSpPr>
           <p:cNvPr id="277506" name="Rectangle 2"/>
           <p:cNvSpPr>
-            <a:spLocks noChangeArrowheads="1" noTextEdit="1"/>
+            <a:spLocks noGrp="1" noRot="1" noChangeAspect="1" noChangeArrowheads="1" noTextEdit="1"/>
           </p:cNvSpPr>
           <p:nvPr>
             <p:ph type="sldImg"/>
@@ -1296,7 +1296,7 @@
         <p:nvSpPr>
           <p:cNvPr id="11266" name="Rectangle 2"/>
           <p:cNvSpPr>
-            <a:spLocks noRot="1" noChangeArrowheads="1" noTextEdit="1"/>
+            <a:spLocks noGrp="1" noRot="1" noChangeAspect="1" noChangeArrowheads="1" noTextEdit="1"/>
           </p:cNvSpPr>
           <p:nvPr>
             <p:ph type="sldImg"/>
@@ -1426,7 +1426,7 @@
         <p:nvSpPr>
           <p:cNvPr id="25602" name="Rectangle 2"/>
           <p:cNvSpPr>
-            <a:spLocks noRot="1" noChangeArrowheads="1" noTextEdit="1"/>
+            <a:spLocks noGrp="1" noRot="1" noChangeAspect="1" noChangeArrowheads="1" noTextEdit="1"/>
           </p:cNvSpPr>
           <p:nvPr>
             <p:ph type="sldImg"/>
@@ -1515,7 +1515,7 @@
         <p:nvSpPr>
           <p:cNvPr id="18434" name="Rectangle 2"/>
           <p:cNvSpPr>
-            <a:spLocks noRot="1" noChangeArrowheads="1" noTextEdit="1"/>
+            <a:spLocks noGrp="1" noRot="1" noChangeAspect="1" noChangeArrowheads="1" noTextEdit="1"/>
           </p:cNvSpPr>
           <p:nvPr>
             <p:ph type="sldImg"/>
@@ -1864,7 +1864,7 @@
         <p:nvSpPr>
           <p:cNvPr id="281602" name="Rectangle 2"/>
           <p:cNvSpPr>
-            <a:spLocks noChangeArrowheads="1" noTextEdit="1"/>
+            <a:spLocks noGrp="1" noRot="1" noChangeAspect="1" noChangeArrowheads="1" noTextEdit="1"/>
           </p:cNvSpPr>
           <p:nvPr>
             <p:ph type="sldImg"/>
@@ -2218,7 +2218,7 @@
         <p:nvSpPr>
           <p:cNvPr id="275458" name="Rectangle 2"/>
           <p:cNvSpPr>
-            <a:spLocks noChangeArrowheads="1" noTextEdit="1"/>
+            <a:spLocks noGrp="1" noRot="1" noChangeAspect="1" noChangeArrowheads="1" noTextEdit="1"/>
           </p:cNvSpPr>
           <p:nvPr>
             <p:ph type="sldImg"/>
@@ -9195,6 +9195,13 @@
   <p:clrMapOvr>
     <a:masterClrMapping/>
   </p:clrMapOvr>
+  <p:timing>
+    <p:tnLst>
+      <p:par>
+        <p:cTn xmlns:p14="http://schemas.microsoft.com/office/powerpoint/2010/main" id="1" dur="indefinite" restart="never" nodeType="tmRoot"/>
+      </p:par>
+    </p:tnLst>
+  </p:timing>
 </p:sld>
 </file>
 
@@ -15718,6 +15725,13 @@
   <p:clrMapOvr>
     <a:masterClrMapping/>
   </p:clrMapOvr>
+  <p:timing>
+    <p:tnLst>
+      <p:par>
+        <p:cTn xmlns:p14="http://schemas.microsoft.com/office/powerpoint/2010/main" id="1" dur="indefinite" restart="never" nodeType="tmRoot"/>
+      </p:par>
+    </p:tnLst>
+  </p:timing>
 </p:sld>
 </file>
 
@@ -15910,27 +15924,7 @@
                   </a:schemeClr>
                 </a:solidFill>
               </a:rPr>
-              <a:t>Accuracy </a:t>
-            </a:r>
-            <a:r>
-              <a:rPr lang="en-US" sz="1800" dirty="0" smtClean="0">
-                <a:solidFill>
-                  <a:schemeClr val="tx1">
-                    <a:lumMod val="95000"/>
-                  </a:schemeClr>
-                </a:solidFill>
-              </a:rPr>
-              <a:t>= </a:t>
-            </a:r>
-            <a:r>
-              <a:rPr lang="en-US" sz="1800" dirty="0" smtClean="0">
-                <a:solidFill>
-                  <a:schemeClr val="tx1">
-                    <a:lumMod val="95000"/>
-                  </a:schemeClr>
-                </a:solidFill>
-              </a:rPr>
-              <a:t># correct classifications / # examples</a:t>
+              <a:t>Accuracy = # correct classifications / # examples</a:t>
             </a:r>
           </a:p>
           <a:p>
@@ -16403,6 +16397,13 @@
   <p:clrMapOvr>
     <a:masterClrMapping/>
   </p:clrMapOvr>
+  <p:timing>
+    <p:tnLst>
+      <p:par>
+        <p:cTn xmlns:p14="http://schemas.microsoft.com/office/powerpoint/2010/main" id="1" dur="indefinite" restart="never" nodeType="tmRoot"/>
+      </p:par>
+    </p:tnLst>
+  </p:timing>
 </p:sld>
 </file>
 
@@ -17758,11 +17759,7 @@
             </a:r>
             <a:r>
               <a:rPr lang="en-US" b="1" dirty="0" smtClean="0"/>
-              <a:t>R</a:t>
-            </a:r>
-            <a:r>
-              <a:rPr lang="en-US" b="1" dirty="0" smtClean="0"/>
-              <a:t>ecall</a:t>
+              <a:t>Recall</a:t>
             </a:r>
             <a:endParaRPr lang="en-US" dirty="0"/>
           </a:p>
@@ -17947,11 +17944,7 @@
             </a:r>
             <a:r>
               <a:rPr lang="en-US" b="1" dirty="0" smtClean="0"/>
-              <a:t>R</a:t>
-            </a:r>
-            <a:r>
-              <a:rPr lang="en-US" b="1" dirty="0" smtClean="0"/>
-              <a:t>ecall</a:t>
+              <a:t>Recall</a:t>
             </a:r>
             <a:endParaRPr lang="en-US" dirty="0"/>
           </a:p>
@@ -18325,7 +18318,7 @@
           <p:nvPr>
             <p:extLst>
               <p:ext uri="{D42A27DB-BD31-4B8C-83A1-F6EECF244321}">
-                <p14:modId xmlns:p14="http://schemas.microsoft.com/office/powerpoint/2010/main" val="235406028"/>
+                <p14:modId xmlns:p14="http://schemas.microsoft.com/office/powerpoint/2010/main" val="3891982055"/>
               </p:ext>
             </p:extLst>
           </p:nvPr>
@@ -18338,7 +18331,7 @@
           <a:graphicData uri="http://schemas.openxmlformats.org/presentationml/2006/ole">
             <mc:AlternateContent xmlns:mc="http://schemas.openxmlformats.org/markup-compatibility/2006">
               <mc:Choice xmlns:v="urn:schemas-microsoft-com:vml" Requires="v">
-                <p:oleObj spid="_x0000_s73811" name="Equation" r:id="rId3" imgW="1828800" imgH="368300" progId="Equation.3">
+                <p:oleObj spid="_x0000_s73814" name="Equation" r:id="rId3" imgW="1828800" imgH="368300" progId="Equation.3">
                   <p:embed/>
                 </p:oleObj>
               </mc:Choice>
@@ -18374,7 +18367,9 @@
                       <a:prstGeom prst="rect">
                         <a:avLst/>
                       </a:prstGeom>
-                      <a:noFill/>
+                      <a:solidFill>
+                        <a:schemeClr val="tx1"/>
+                      </a:solidFill>
                     </p:spPr>
                   </p:pic>
                 </p:oleObj>
@@ -19212,11 +19207,7 @@
             </a:r>
             <a:r>
               <a:rPr lang="en-US" sz="2400" dirty="0"/>
-              <a:t>of </a:t>
-            </a:r>
-            <a:r>
-              <a:rPr lang="en-US" sz="2400" dirty="0"/>
-              <a:t>Accuracy</a:t>
+              <a:t>of Accuracy</a:t>
             </a:r>
           </a:p>
           <a:p>
@@ -19243,11 +19234,7 @@
           <a:p>
             <a:r>
               <a:rPr lang="en-US" sz="2400" dirty="0" smtClean="0"/>
-              <a:t>Support Vector </a:t>
-            </a:r>
-            <a:r>
-              <a:rPr lang="en-US" sz="2400" dirty="0" smtClean="0"/>
-              <a:t>Machines</a:t>
+              <a:t>Support Vector Machines</a:t>
             </a:r>
           </a:p>
           <a:p>
@@ -22365,11 +22352,11 @@
   <p:clrMapOvr>
     <a:masterClrMapping/>
   </p:clrMapOvr>
-  <mc:AlternateContent xmlns:mc="http://schemas.openxmlformats.org/markup-compatibility/2006">
-    <mc:Choice xmlns:p14="http://schemas.microsoft.com/office/powerpoint/2010/main" Requires="p14">
+  <mc:AlternateContent xmlns:mc="http://schemas.openxmlformats.org/markup-compatibility/2006" xmlns:p14="http://schemas.microsoft.com/office/powerpoint/2010/main">
+    <mc:Choice Requires="p14">
       <p:transition spd="slow" p14:dur="2000"/>
     </mc:Choice>
-    <mc:Fallback>
+    <mc:Fallback xmlns="">
       <p:transition xmlns:p14="http://schemas.microsoft.com/office/powerpoint/2010/main" spd="slow"/>
     </mc:Fallback>
   </mc:AlternateContent>
@@ -23003,13 +22990,7 @@
               <a:rPr lang="en-US" altLang="ja-JP" dirty="0" smtClean="0">
                 <a:cs typeface="ＭＳ Ｐゴシック" charset="0"/>
               </a:rPr>
-              <a:t>They are interpretable</a:t>
-            </a:r>
-            <a:r>
-              <a:rPr lang="en-US" altLang="ja-JP" dirty="0" smtClean="0">
-                <a:cs typeface="ＭＳ Ｐゴシック" charset="0"/>
-              </a:rPr>
-              <a:t> </a:t>
+              <a:t>They are interpretable </a:t>
             </a:r>
           </a:p>
         </p:txBody>
@@ -23677,17 +23658,7 @@
                   </a:schemeClr>
                 </a:solidFill>
               </a:rPr>
-              <a:t>Decision </a:t>
-            </a:r>
-            <a:r>
-              <a:rPr lang="en-US" sz="2400" dirty="0" smtClean="0">
-                <a:solidFill>
-                  <a:schemeClr val="accent6">
-                    <a:lumMod val="50000"/>
-                  </a:schemeClr>
-                </a:solidFill>
-              </a:rPr>
-              <a:t>trees</a:t>
+              <a:t>Decision trees</a:t>
             </a:r>
             <a:r>
               <a:rPr lang="en-US" sz="2400" dirty="0" smtClean="0">
@@ -23725,15 +23696,7 @@
                   <a:srgbClr val="3333CC"/>
                 </a:solidFill>
               </a:rPr>
-              <a:t>d</a:t>
-            </a:r>
-            <a:r>
-              <a:rPr lang="en-US" sz="2400" dirty="0" smtClean="0">
-                <a:solidFill>
-                  <a:srgbClr val="3333CC"/>
-                </a:solidFill>
-              </a:rPr>
-              <a:t>ecision </a:t>
+              <a:t>decision </a:t>
             </a:r>
             <a:r>
               <a:rPr lang="en-US" sz="2400" dirty="0">
@@ -24977,15 +24940,7 @@
                   <a:srgbClr val="FFFFFF"/>
                 </a:solidFill>
               </a:rPr>
-              <a:t>Any d</a:t>
-            </a:r>
-            <a:r>
-              <a:rPr lang="en-US" sz="2000" dirty="0" smtClean="0">
-                <a:solidFill>
-                  <a:srgbClr val="FFFFFF"/>
-                </a:solidFill>
-              </a:rPr>
-              <a:t>ecision tree </a:t>
+              <a:t>Any decision tree </a:t>
             </a:r>
             <a:r>
               <a:rPr lang="en-US" sz="2000" dirty="0">
@@ -25970,11 +25925,7 @@
             </a:br>
             <a:r>
               <a:rPr lang="en-US" dirty="0" smtClean="0"/>
-              <a:t>W</a:t>
-            </a:r>
-            <a:r>
-              <a:rPr lang="en-US" dirty="0" smtClean="0"/>
-              <a:t>hich </a:t>
+              <a:t>Which </a:t>
             </a:r>
             <a:r>
               <a:rPr lang="en-US" dirty="0"/>
@@ -26486,7 +26437,7 @@
           <a:graphicData uri="http://schemas.openxmlformats.org/presentationml/2006/ole">
             <mc:AlternateContent xmlns:mc="http://schemas.openxmlformats.org/markup-compatibility/2006">
               <mc:Choice xmlns:v="urn:schemas-microsoft-com:vml" Requires="v">
-                <p:oleObj spid="_x0000_s90187" name="Equation" r:id="rId3" imgW="2057400" imgH="508000" progId="Equation.3">
+                <p:oleObj spid="_x0000_s90190" name="Equation" r:id="rId3" imgW="2057400" imgH="508000" progId="Equation.3">
                   <p:embed/>
                 </p:oleObj>
               </mc:Choice>
@@ -26538,11 +26489,11 @@
   <p:clrMapOvr>
     <a:masterClrMapping/>
   </p:clrMapOvr>
-  <mc:AlternateContent xmlns:mc="http://schemas.openxmlformats.org/markup-compatibility/2006">
-    <mc:Choice xmlns:p14="http://schemas.microsoft.com/office/powerpoint/2010/main" Requires="p14">
+  <mc:AlternateContent xmlns:mc="http://schemas.openxmlformats.org/markup-compatibility/2006" xmlns:p14="http://schemas.microsoft.com/office/powerpoint/2010/main">
+    <mc:Choice Requires="p14">
       <p:transition spd="slow" p14:dur="2000"/>
     </mc:Choice>
-    <mc:Fallback>
+    <mc:Fallback xmlns="">
       <p:transition xmlns:p14="http://schemas.microsoft.com/office/powerpoint/2010/main" spd="slow"/>
     </mc:Fallback>
   </mc:AlternateContent>
@@ -27211,7 +27162,7 @@
           <a:graphicData uri="http://schemas.openxmlformats.org/presentationml/2006/ole">
             <mc:AlternateContent xmlns:mc="http://schemas.openxmlformats.org/markup-compatibility/2006">
               <mc:Choice xmlns:v="urn:schemas-microsoft-com:vml" Requires="v">
-                <p:oleObj spid="_x0000_s92245" name="Equation" r:id="rId3" imgW="2184120" imgH="457200" progId="Equation.3">
+                <p:oleObj spid="_x0000_s92250" name="Equation" r:id="rId3" imgW="2184120" imgH="457200" progId="Equation.3">
                   <p:embed/>
                 </p:oleObj>
               </mc:Choice>
@@ -27281,7 +27232,7 @@
           <a:graphicData uri="http://schemas.openxmlformats.org/presentationml/2006/ole">
             <mc:AlternateContent xmlns:mc="http://schemas.openxmlformats.org/markup-compatibility/2006">
               <mc:Choice xmlns:v="urn:schemas-microsoft-com:vml" Requires="v">
-                <p:oleObj spid="_x0000_s92246" name="Equation" r:id="rId5" imgW="2057400" imgH="508000" progId="Equation.3">
+                <p:oleObj spid="_x0000_s92251" name="Equation" r:id="rId5" imgW="2057400" imgH="508000" progId="Equation.3">
                   <p:embed/>
                 </p:oleObj>
               </mc:Choice>
@@ -27333,11 +27284,11 @@
   <p:clrMapOvr>
     <a:masterClrMapping/>
   </p:clrMapOvr>
-  <mc:AlternateContent xmlns:mc="http://schemas.openxmlformats.org/markup-compatibility/2006">
-    <mc:Choice xmlns:p14="http://schemas.microsoft.com/office/powerpoint/2010/main" Requires="p14">
+  <mc:AlternateContent xmlns:mc="http://schemas.openxmlformats.org/markup-compatibility/2006" xmlns:p14="http://schemas.microsoft.com/office/powerpoint/2010/main">
+    <mc:Choice Requires="p14">
       <p:transition spd="slow" p14:dur="2000"/>
     </mc:Choice>
-    <mc:Fallback>
+    <mc:Fallback xmlns="">
       <p:transition xmlns:p14="http://schemas.microsoft.com/office/powerpoint/2010/main" spd="slow"/>
     </mc:Fallback>
   </mc:AlternateContent>
@@ -27566,7 +27517,7 @@
           <a:graphicData uri="http://schemas.openxmlformats.org/presentationml/2006/ole">
             <mc:AlternateContent xmlns:mc="http://schemas.openxmlformats.org/markup-compatibility/2006">
               <mc:Choice xmlns:v="urn:schemas-microsoft-com:vml" Requires="v">
-                <p:oleObj spid="_x0000_s93259" name="Equation" r:id="rId3" imgW="2324100" imgH="228600" progId="Equation.3">
+                <p:oleObj spid="_x0000_s93262" name="Equation" r:id="rId3" imgW="2324100" imgH="228600" progId="Equation.3">
                   <p:embed/>
                 </p:oleObj>
               </mc:Choice>
@@ -27624,11 +27575,11 @@
   <p:clrMapOvr>
     <a:masterClrMapping/>
   </p:clrMapOvr>
-  <mc:AlternateContent xmlns:mc="http://schemas.openxmlformats.org/markup-compatibility/2006">
-    <mc:Choice xmlns:p14="http://schemas.microsoft.com/office/powerpoint/2010/main" Requires="p14">
+  <mc:AlternateContent xmlns:mc="http://schemas.openxmlformats.org/markup-compatibility/2006" xmlns:p14="http://schemas.microsoft.com/office/powerpoint/2010/main">
+    <mc:Choice Requires="p14">
       <p:transition spd="slow" p14:dur="2000"/>
     </mc:Choice>
-    <mc:Fallback>
+    <mc:Fallback xmlns="">
       <p:transition xmlns:p14="http://schemas.microsoft.com/office/powerpoint/2010/main" spd="slow"/>
     </mc:Fallback>
   </mc:AlternateContent>
@@ -27782,7 +27733,7 @@
           <a:graphicData uri="http://schemas.openxmlformats.org/presentationml/2006/ole">
             <mc:AlternateContent xmlns:mc="http://schemas.openxmlformats.org/markup-compatibility/2006">
               <mc:Choice xmlns:v="urn:schemas-microsoft-com:vml" Requires="v">
-                <p:oleObj spid="_x0000_s94502" name="Worksheet" r:id="rId4" imgW="3619500" imgH="1381049" progId="Excel.Sheet.8">
+                <p:oleObj spid="_x0000_s94511" name="Worksheet" r:id="rId4" imgW="3619500" imgH="1381049" progId="Excel.Sheet.8">
                   <p:embed/>
                 </p:oleObj>
               </mc:Choice>
@@ -28206,7 +28157,7 @@
           <a:graphicData uri="http://schemas.openxmlformats.org/presentationml/2006/ole">
             <mc:AlternateContent xmlns:mc="http://schemas.openxmlformats.org/markup-compatibility/2006">
               <mc:Choice xmlns:v="urn:schemas-microsoft-com:vml" Requires="v">
-                <p:oleObj spid="_x0000_s94503" name="Equation" r:id="rId7" imgW="2819400" imgH="368300" progId="Equation.3">
+                <p:oleObj spid="_x0000_s94512" name="Equation" r:id="rId7" imgW="2819400" imgH="368300" progId="Equation.3">
                   <p:embed/>
                 </p:oleObj>
               </mc:Choice>
@@ -28338,7 +28289,7 @@
           <a:graphicData uri="http://schemas.openxmlformats.org/presentationml/2006/ole">
             <mc:AlternateContent xmlns:mc="http://schemas.openxmlformats.org/markup-compatibility/2006">
               <mc:Choice xmlns:v="urn:schemas-microsoft-com:vml" Requires="v">
-                <p:oleObj spid="_x0000_s94504" name="Equation" r:id="rId9" imgW="3403600" imgH="927100" progId="Equation.3">
+                <p:oleObj spid="_x0000_s94513" name="Equation" r:id="rId9" imgW="3403600" imgH="927100" progId="Equation.3">
                   <p:embed/>
                 </p:oleObj>
               </mc:Choice>
@@ -28470,7 +28421,7 @@
           <a:graphicData uri="http://schemas.openxmlformats.org/presentationml/2006/ole">
             <mc:AlternateContent xmlns:mc="http://schemas.openxmlformats.org/markup-compatibility/2006">
               <mc:Choice xmlns:v="urn:schemas-microsoft-com:vml" Requires="v">
-                <p:oleObj spid="_x0000_s94505" name="Equation" r:id="rId11" imgW="4152900" imgH="927100" progId="Equation.3">
+                <p:oleObj spid="_x0000_s94514" name="Equation" r:id="rId11" imgW="4152900" imgH="927100" progId="Equation.3">
                   <p:embed/>
                 </p:oleObj>
               </mc:Choice>
@@ -28528,11 +28479,11 @@
   <p:clrMapOvr>
     <a:masterClrMapping/>
   </p:clrMapOvr>
-  <mc:AlternateContent xmlns:mc="http://schemas.openxmlformats.org/markup-compatibility/2006">
-    <mc:Choice xmlns:p14="http://schemas.microsoft.com/office/powerpoint/2010/main" Requires="p14">
+  <mc:AlternateContent xmlns:mc="http://schemas.openxmlformats.org/markup-compatibility/2006" xmlns:p14="http://schemas.microsoft.com/office/powerpoint/2010/main">
+    <mc:Choice Requires="p14">
       <p:transition spd="slow" p14:dur="2000"/>
     </mc:Choice>
-    <mc:Fallback>
+    <mc:Fallback xmlns="">
       <p:transition xmlns:p14="http://schemas.microsoft.com/office/powerpoint/2010/main" spd="slow"/>
     </mc:Fallback>
   </mc:AlternateContent>
@@ -31299,11 +31250,11 @@
   <p:clrMapOvr>
     <a:masterClrMapping/>
   </p:clrMapOvr>
-  <mc:AlternateContent xmlns:mc="http://schemas.openxmlformats.org/markup-compatibility/2006">
-    <mc:Choice xmlns:p14="http://schemas.microsoft.com/office/powerpoint/2010/main" Requires="p14">
+  <mc:AlternateContent xmlns:mc="http://schemas.openxmlformats.org/markup-compatibility/2006" xmlns:p14="http://schemas.microsoft.com/office/powerpoint/2010/main">
+    <mc:Choice Requires="p14">
       <p:transition spd="slow" p14:dur="2000"/>
     </mc:Choice>
-    <mc:Fallback>
+    <mc:Fallback xmlns="">
       <p:transition xmlns:p14="http://schemas.microsoft.com/office/powerpoint/2010/main" spd="slow"/>
     </mc:Fallback>
   </mc:AlternateContent>
@@ -33761,11 +33712,11 @@
   <p:clrMapOvr>
     <a:masterClrMapping/>
   </p:clrMapOvr>
-  <mc:AlternateContent xmlns:mc="http://schemas.openxmlformats.org/markup-compatibility/2006">
-    <mc:Choice xmlns:p14="http://schemas.microsoft.com/office/powerpoint/2010/main" Requires="p14">
+  <mc:AlternateContent xmlns:mc="http://schemas.openxmlformats.org/markup-compatibility/2006" xmlns:p14="http://schemas.microsoft.com/office/powerpoint/2010/main">
+    <mc:Choice Requires="p14">
       <p:transition spd="slow" p14:dur="2000"/>
     </mc:Choice>
-    <mc:Fallback>
+    <mc:Fallback xmlns="">
       <p:transition xmlns:p14="http://schemas.microsoft.com/office/powerpoint/2010/main" spd="slow"/>
     </mc:Fallback>
   </mc:AlternateContent>
@@ -39347,7 +39298,7 @@
           <a:graphicData uri="http://schemas.openxmlformats.org/presentationml/2006/ole">
             <mc:AlternateContent xmlns:mc="http://schemas.openxmlformats.org/markup-compatibility/2006">
               <mc:Choice xmlns:v="urn:schemas-microsoft-com:vml" Requires="v">
-                <p:oleObj spid="_x0000_s108580" name="Equation" r:id="rId4" imgW="1523880" imgH="482400" progId="Equation.3">
+                <p:oleObj spid="_x0000_s108583" name="Equation" r:id="rId4" imgW="1523880" imgH="482400" progId="Equation.3">
                   <p:embed/>
                 </p:oleObj>
               </mc:Choice>
@@ -39498,7 +39449,7 @@
           <a:graphicData uri="http://schemas.openxmlformats.org/presentationml/2006/ole">
             <mc:AlternateContent xmlns:mc="http://schemas.openxmlformats.org/markup-compatibility/2006">
               <mc:Choice xmlns:v="urn:schemas-microsoft-com:vml" Requires="v">
-                <p:oleObj spid="_x0000_s110628" name="Document" r:id="rId4" imgW="5247000" imgH="2335680" progId="Word.Document.8">
+                <p:oleObj spid="_x0000_s110631" name="Document" r:id="rId4" imgW="5247000" imgH="2335680" progId="Word.Document.8">
                   <p:embed/>
                 </p:oleObj>
               </mc:Choice>
@@ -40461,7 +40412,7 @@
           <a:graphicData uri="http://schemas.openxmlformats.org/presentationml/2006/ole">
             <mc:AlternateContent xmlns:mc="http://schemas.openxmlformats.org/markup-compatibility/2006">
               <mc:Choice xmlns:v="urn:schemas-microsoft-com:vml" Requires="v">
-                <p:oleObj spid="_x0000_s114724" name="Equation" r:id="rId3" imgW="533160" imgH="482400" progId="Equation.3">
+                <p:oleObj spid="_x0000_s114727" name="Equation" r:id="rId3" imgW="533160" imgH="482400" progId="Equation.3">
                   <p:embed/>
                 </p:oleObj>
               </mc:Choice>
@@ -40813,11 +40764,11 @@
   <p:clrMapOvr>
     <a:masterClrMapping/>
   </p:clrMapOvr>
-  <mc:AlternateContent xmlns:mc="http://schemas.openxmlformats.org/markup-compatibility/2006">
-    <mc:Choice xmlns:p14="http://schemas.microsoft.com/office/powerpoint/2010/main" Requires="p14">
+  <mc:AlternateContent xmlns:mc="http://schemas.openxmlformats.org/markup-compatibility/2006" xmlns:p14="http://schemas.microsoft.com/office/powerpoint/2010/main">
+    <mc:Choice Requires="p14">
       <p:transition spd="slow" p14:dur="2000"/>
     </mc:Choice>
-    <mc:Fallback>
+    <mc:Fallback xmlns="">
       <p:transition xmlns:p14="http://schemas.microsoft.com/office/powerpoint/2010/main" spd="slow"/>
     </mc:Fallback>
   </mc:AlternateContent>
@@ -43601,11 +43552,11 @@
   <p:clrMapOvr>
     <a:masterClrMapping/>
   </p:clrMapOvr>
-  <mc:AlternateContent xmlns:mc="http://schemas.openxmlformats.org/markup-compatibility/2006">
-    <mc:Choice xmlns:p14="http://schemas.microsoft.com/office/powerpoint/2010/main" Requires="p14">
+  <mc:AlternateContent xmlns:mc="http://schemas.openxmlformats.org/markup-compatibility/2006" xmlns:p14="http://schemas.microsoft.com/office/powerpoint/2010/main">
+    <mc:Choice Requires="p14">
       <p:transition spd="slow" p14:dur="2000"/>
     </mc:Choice>
-    <mc:Fallback>
+    <mc:Fallback xmlns="">
       <p:transition xmlns:p14="http://schemas.microsoft.com/office/powerpoint/2010/main" spd="slow"/>
     </mc:Fallback>
   </mc:AlternateContent>
@@ -46651,7 +46602,7 @@
           <a:graphicData uri="http://schemas.openxmlformats.org/presentationml/2006/ole">
             <mc:AlternateContent xmlns:mc="http://schemas.openxmlformats.org/markup-compatibility/2006">
               <mc:Choice xmlns:v="urn:schemas-microsoft-com:vml" Requires="v">
-                <p:oleObj spid="_x0000_s7255" name="Equation" r:id="rId4" imgW="876240" imgH="444240" progId="Equation.3">
+                <p:oleObj spid="_x0000_s7258" name="Equation" r:id="rId4" imgW="876240" imgH="444240" progId="Equation.3">
                   <p:embed/>
                 </p:oleObj>
               </mc:Choice>
@@ -53428,7 +53379,7 @@
           <a:graphicData uri="http://schemas.openxmlformats.org/presentationml/2006/ole">
             <mc:AlternateContent xmlns:mc="http://schemas.openxmlformats.org/markup-compatibility/2006">
               <mc:Choice xmlns:v="urn:schemas-microsoft-com:vml" Requires="v">
-                <p:oleObj spid="_x0000_s15532" name="Equation" r:id="rId4" imgW="1155600" imgH="228600" progId="Equation.3">
+                <p:oleObj spid="_x0000_s15537" name="Equation" r:id="rId4" imgW="1155600" imgH="228600" progId="Equation.3">
                   <p:embed/>
                 </p:oleObj>
               </mc:Choice>
@@ -53596,7 +53547,7 @@
           <a:graphicData uri="http://schemas.openxmlformats.org/presentationml/2006/ole">
             <mc:AlternateContent xmlns:mc="http://schemas.openxmlformats.org/markup-compatibility/2006">
               <mc:Choice xmlns:v="urn:schemas-microsoft-com:vml" Requires="v">
-                <p:oleObj spid="_x0000_s15533" name="Equation" r:id="rId6" imgW="1434960" imgH="291960" progId="Equation.3">
+                <p:oleObj spid="_x0000_s15538" name="Equation" r:id="rId6" imgW="1434960" imgH="291960" progId="Equation.3">
                   <p:embed/>
                 </p:oleObj>
               </mc:Choice>
@@ -53703,7 +53654,7 @@
           <a:graphicData uri="http://schemas.openxmlformats.org/presentationml/2006/ole">
             <mc:AlternateContent xmlns:mc="http://schemas.openxmlformats.org/markup-compatibility/2006">
               <mc:Choice xmlns:v="urn:schemas-microsoft-com:vml" Requires="v">
-                <p:oleObj spid="_x0000_s17495" name="Bitmap Image" r:id="rId4" imgW="6257143" imgH="4629796" progId="Paint.Picture">
+                <p:oleObj spid="_x0000_s17498" name="Bitmap Image" r:id="rId4" imgW="6257143" imgH="4629796" progId="Paint.Picture">
                   <p:embed/>
                 </p:oleObj>
               </mc:Choice>
